--- a/Versión 3 - Trimestre ll/Buzos MT.pptx
+++ b/Versión 3 - Trimestre ll/Buzos MT.pptx
@@ -291,7 +291,7 @@
       <p15:sldGuideLst xmlns:p15="http://schemas.microsoft.com/office/powerpoint/2012/main"/>
     </p:ext>
     <p:ext uri="GoogleSlidesCustomDataVersion2">
-      <go:slidesCustomData xmlns="" xmlns:mc="http://schemas.openxmlformats.org/markup-compatibility/2006" xmlns:mv="urn:schemas-microsoft-com:mac:vml" xmlns:c="http://schemas.openxmlformats.org/drawingml/2006/chart" xmlns:dgm="http://schemas.openxmlformats.org/drawingml/2006/diagram" xmlns:o="urn:schemas-microsoft-com:office:office" xmlns:v="urn:schemas-microsoft-com:vml" xmlns:pvml="urn:schemas-microsoft-com:office:powerpoint" xmlns:com="http://schemas.openxmlformats.org/drawingml/2006/compatibility" xmlns:p14="http://schemas.microsoft.com/office/powerpoint/2010/main" xmlns:p15="http://schemas.microsoft.com/office/powerpoint/2012/main" xmlns:ahyp="http://schemas.microsoft.com/office/drawing/2018/hyperlinkcolor" xmlns:go="http://customooxmlschemas.google.com/" r:id="rId38" roundtripDataSignature="AMtx7mhNPFpHroBzX+5/9YlLfoFKN8A3hw=="/>
+      <go:slidesCustomData xmlns:go="http://customooxmlschemas.google.com/" xmlns:ahyp="http://schemas.microsoft.com/office/drawing/2018/hyperlinkcolor" xmlns:p15="http://schemas.microsoft.com/office/powerpoint/2012/main" xmlns:p14="http://schemas.microsoft.com/office/powerpoint/2010/main" xmlns:com="http://schemas.openxmlformats.org/drawingml/2006/compatibility" xmlns:pvml="urn:schemas-microsoft-com:office:powerpoint" xmlns:v="urn:schemas-microsoft-com:vml" xmlns:o="urn:schemas-microsoft-com:office:office" xmlns:dgm="http://schemas.openxmlformats.org/drawingml/2006/diagram" xmlns:c="http://schemas.openxmlformats.org/drawingml/2006/chart" xmlns:mv="urn:schemas-microsoft-com:mac:vml" xmlns:mc="http://schemas.openxmlformats.org/markup-compatibility/2006" xmlns="" r:id="rId38" roundtripDataSignature="AMtx7mhNPFpHroBzX+5/9YlLfoFKN8A3hw=="/>
     </p:ext>
   </p:extLst>
 </p:presentation>
@@ -18630,7 +18630,7 @@
         <p:spPr>
           <a:xfrm>
             <a:off x="735275" y="2497275"/>
-            <a:ext cx="10785000" cy="3990600"/>
+            <a:ext cx="10785000" cy="3816389"/>
           </a:xfrm>
           <a:prstGeom prst="rect">
             <a:avLst/>
@@ -18661,7 +18661,7 @@
               <a:buAutoNum type="arabicPeriod"/>
             </a:pPr>
             <a:r>
-              <a:rPr lang="es-MX" sz="2200">
+              <a:rPr lang="es-MX" sz="2200" dirty="0">
                 <a:solidFill>
                   <a:schemeClr val="dk1"/>
                 </a:solidFill>
@@ -18672,7 +18672,23 @@
               </a:rPr>
               <a:t>Desarrollar un sistema de autenticación seguro que permita a los usuarios registrarse e iniciar sesión de manera eficiente y confiable. Implementar roles de usuario y permisos adecuados que limiten el acceso a las funciones del sistema según las responsabilidades de cada usuario. </a:t>
             </a:r>
-            <a:endParaRPr sz="2200">
+          </a:p>
+          <a:p>
+            <a:pPr marL="457200" marR="0" lvl="0" indent="-368300" algn="l" rtl="0">
+              <a:spcBef>
+                <a:spcPts val="0"/>
+              </a:spcBef>
+              <a:spcAft>
+                <a:spcPts val="0"/>
+              </a:spcAft>
+              <a:buClr>
+                <a:schemeClr val="dk1"/>
+              </a:buClr>
+              <a:buSzPts val="2200"/>
+              <a:buFont typeface="Calibri"/>
+              <a:buAutoNum type="arabicPeriod"/>
+            </a:pPr>
+            <a:endParaRPr lang="es-MX" sz="2200" dirty="0">
               <a:solidFill>
                 <a:schemeClr val="dk1"/>
               </a:solidFill>
@@ -18683,16 +18699,49 @@
             </a:endParaRPr>
           </a:p>
           <a:p>
-            <a:pPr marL="457200" marR="0" lvl="0" indent="0" algn="l" rtl="0">
-              <a:spcBef>
-                <a:spcPts val="0"/>
-              </a:spcBef>
-              <a:spcAft>
-                <a:spcPts val="0"/>
-              </a:spcAft>
-              <a:buNone/>
+            <a:pPr marL="457200" marR="0" lvl="0" indent="-368300" algn="l" rtl="0">
+              <a:spcBef>
+                <a:spcPts val="0"/>
+              </a:spcBef>
+              <a:spcAft>
+                <a:spcPts val="0"/>
+              </a:spcAft>
+              <a:buClr>
+                <a:schemeClr val="dk1"/>
+              </a:buClr>
+              <a:buSzPts val="2200"/>
+              <a:buFont typeface="Calibri"/>
+              <a:buAutoNum type="arabicPeriod"/>
             </a:pPr>
-            <a:endParaRPr sz="2200">
+            <a:r>
+              <a:rPr lang="es-MX" sz="2200" dirty="0">
+                <a:solidFill>
+                  <a:schemeClr val="dk1"/>
+                </a:solidFill>
+                <a:latin typeface="Calibri"/>
+                <a:ea typeface="Calibri"/>
+                <a:cs typeface="Calibri"/>
+                <a:sym typeface="Calibri"/>
+              </a:rPr>
+              <a:t>Diseñar un sistema de seguimiento de inventario que permita registrar y mantener actualizado el stock de materias primas disponibles en el almacén.</a:t>
+            </a:r>
+          </a:p>
+          <a:p>
+            <a:pPr marL="457200" marR="0" lvl="0" indent="-368300" algn="l" rtl="0">
+              <a:spcBef>
+                <a:spcPts val="0"/>
+              </a:spcBef>
+              <a:spcAft>
+                <a:spcPts val="0"/>
+              </a:spcAft>
+              <a:buClr>
+                <a:schemeClr val="dk1"/>
+              </a:buClr>
+              <a:buSzPts val="2200"/>
+              <a:buFont typeface="Calibri"/>
+              <a:buAutoNum type="arabicPeriod"/>
+            </a:pPr>
+            <a:endParaRPr lang="es-MX" sz="2200" dirty="0">
               <a:solidFill>
                 <a:schemeClr val="dk1"/>
               </a:solidFill>
@@ -18703,7 +18752,7 @@
             </a:endParaRPr>
           </a:p>
           <a:p>
-            <a:pPr marL="457200" lvl="0" indent="-368300" algn="l" rtl="0">
+            <a:pPr marL="457200" marR="0" lvl="0" indent="-368300" algn="l" rtl="0">
               <a:spcBef>
                 <a:spcPts val="0"/>
               </a:spcBef>
@@ -18718,64 +18767,7 @@
               <a:buAutoNum type="arabicPeriod"/>
             </a:pPr>
             <a:r>
-              <a:rPr lang="es-MX" sz="2200">
-                <a:solidFill>
-                  <a:schemeClr val="dk1"/>
-                </a:solidFill>
-                <a:latin typeface="Calibri"/>
-                <a:ea typeface="Calibri"/>
-                <a:cs typeface="Calibri"/>
-                <a:sym typeface="Calibri"/>
-              </a:rPr>
-              <a:t>Diseñar un sistema de seguimiento de inventario que permita registrar y mantener actualizado el stock de materias primas disponibles en el almacén.</a:t>
-            </a:r>
-            <a:endParaRPr sz="2200">
-              <a:solidFill>
-                <a:schemeClr val="dk1"/>
-              </a:solidFill>
-              <a:latin typeface="Calibri"/>
-              <a:ea typeface="Calibri"/>
-              <a:cs typeface="Calibri"/>
-              <a:sym typeface="Calibri"/>
-            </a:endParaRPr>
-          </a:p>
-          <a:p>
-            <a:pPr marL="0" lvl="0" indent="0" algn="l" rtl="0">
-              <a:spcBef>
-                <a:spcPts val="0"/>
-              </a:spcBef>
-              <a:spcAft>
-                <a:spcPts val="0"/>
-              </a:spcAft>
-              <a:buNone/>
-            </a:pPr>
-            <a:endParaRPr sz="2200">
-              <a:solidFill>
-                <a:schemeClr val="dk1"/>
-              </a:solidFill>
-              <a:latin typeface="Calibri"/>
-              <a:ea typeface="Calibri"/>
-              <a:cs typeface="Calibri"/>
-              <a:sym typeface="Calibri"/>
-            </a:endParaRPr>
-          </a:p>
-          <a:p>
-            <a:pPr marL="457200" lvl="0" indent="-368300" algn="l" rtl="0">
-              <a:spcBef>
-                <a:spcPts val="0"/>
-              </a:spcBef>
-              <a:spcAft>
-                <a:spcPts val="0"/>
-              </a:spcAft>
-              <a:buClr>
-                <a:schemeClr val="dk1"/>
-              </a:buClr>
-              <a:buSzPts val="2200"/>
-              <a:buFont typeface="Calibri"/>
-              <a:buAutoNum type="arabicPeriod"/>
-            </a:pPr>
-            <a:r>
-              <a:rPr lang="es-MX" sz="2200">
+              <a:rPr lang="es-MX" sz="2200" dirty="0">
                 <a:solidFill>
                   <a:schemeClr val="dk1"/>
                 </a:solidFill>
@@ -18786,7 +18778,7 @@
               </a:rPr>
               <a:t>Crear un módulo de planificación de la producción que permita programar y asignar   tareas de manera eficiente, teniendo en cuenta la disponibilidad de recursos y los plazos de entrega.</a:t>
             </a:r>
-            <a:endParaRPr sz="2200">
+            <a:endParaRPr sz="2200" dirty="0">
               <a:solidFill>
                 <a:schemeClr val="dk1"/>
               </a:solidFill>
@@ -18989,7 +18981,7 @@
               <a:buFont typeface="Calibri"/>
               <a:buAutoNum type="arabicPeriod"/>
             </a:pPr>
-            <a:endParaRPr sz="2200">
+            <a:endParaRPr sz="2200" dirty="0">
               <a:solidFill>
                 <a:schemeClr val="dk1"/>
               </a:solidFill>
@@ -19014,7 +19006,7 @@
               <a:buFont typeface="Calibri"/>
               <a:buAutoNum type="arabicPeriod"/>
             </a:pPr>
-            <a:endParaRPr sz="2200">
+            <a:endParaRPr sz="2200" dirty="0">
               <a:solidFill>
                 <a:schemeClr val="dk1"/>
               </a:solidFill>
@@ -19039,7 +19031,7 @@
               <a:buFont typeface="Calibri"/>
               <a:buAutoNum type="arabicPeriod"/>
             </a:pPr>
-            <a:endParaRPr sz="2200">
+            <a:endParaRPr sz="2200" dirty="0">
               <a:solidFill>
                 <a:schemeClr val="dk1"/>
               </a:solidFill>
@@ -19050,7 +19042,7 @@
             </a:endParaRPr>
           </a:p>
           <a:p>
-            <a:pPr marL="457200" marR="0" lvl="0" indent="-368300" algn="l" rtl="0">
+            <a:pPr marL="88900" marR="0" lvl="0" algn="l" rtl="0">
               <a:spcBef>
                 <a:spcPts val="0"/>
               </a:spcBef>
@@ -19061,11 +19053,9 @@
                 <a:schemeClr val="dk1"/>
               </a:buClr>
               <a:buSzPts val="2200"/>
-              <a:buFont typeface="Calibri"/>
-              <a:buAutoNum type="arabicPeriod"/>
             </a:pPr>
             <a:r>
-              <a:rPr lang="es-MX" sz="2200">
+              <a:rPr lang="es-MX" sz="2200" dirty="0">
                 <a:solidFill>
                   <a:schemeClr val="dk1"/>
                 </a:solidFill>
@@ -19074,9 +19064,9 @@
                 <a:cs typeface="Calibri"/>
                 <a:sym typeface="Calibri"/>
               </a:rPr>
-              <a:t>Gestión de proveedores, que incluya la creación de perfiles de proveedores, registro de contactos, seguimiento de pedidos y pagos, y evaluación de desempeño.</a:t>
+              <a:t>4.  Gestión de proveedores, que incluya la creación de perfiles de proveedores, registro de contactos, seguimiento de pedidos y pagos, y evaluación de desempeño.</a:t>
             </a:r>
-            <a:endParaRPr sz="2200">
+            <a:endParaRPr sz="2200" dirty="0">
               <a:solidFill>
                 <a:schemeClr val="dk1"/>
               </a:solidFill>
@@ -19096,7 +19086,7 @@
               </a:spcAft>
               <a:buNone/>
             </a:pPr>
-            <a:endParaRPr sz="2200">
+            <a:endParaRPr sz="2200" dirty="0">
               <a:solidFill>
                 <a:schemeClr val="dk1"/>
               </a:solidFill>
@@ -19107,7 +19097,7 @@
             </a:endParaRPr>
           </a:p>
           <a:p>
-            <a:pPr marL="457200" marR="0" lvl="0" indent="-368300" algn="l" rtl="0">
+            <a:pPr marL="88900" marR="0" lvl="0" algn="l" rtl="0">
               <a:spcBef>
                 <a:spcPts val="0"/>
               </a:spcBef>
@@ -19118,11 +19108,9 @@
                 <a:schemeClr val="dk1"/>
               </a:buClr>
               <a:buSzPts val="2200"/>
-              <a:buFont typeface="Calibri"/>
-              <a:buAutoNum type="arabicPeriod"/>
             </a:pPr>
             <a:r>
-              <a:rPr lang="es-MX" sz="2200">
+              <a:rPr lang="es-MX" sz="2200" dirty="0">
                 <a:solidFill>
                   <a:schemeClr val="dk1"/>
                 </a:solidFill>
@@ -19131,9 +19119,9 @@
                 <a:cs typeface="Calibri"/>
                 <a:sym typeface="Calibri"/>
               </a:rPr>
-              <a:t>Desarrollar un sistema para la generación automatizada de informes y reportes estadísticos sobre diferentes aspectos del negocio, como ventas, inventario, producción y recursos humanos.</a:t>
+              <a:t>5.  Desarrollar un sistema para la generación automatizada de informes y reportes estadísticos sobre diferentes aspectos del negocio, como ventas, inventario, producción y recursos humanos.</a:t>
             </a:r>
-            <a:endParaRPr sz="2200">
+            <a:endParaRPr sz="2200" dirty="0">
               <a:solidFill>
                 <a:schemeClr val="dk1"/>
               </a:solidFill>
@@ -19153,7 +19141,7 @@
               </a:spcAft>
               <a:buNone/>
             </a:pPr>
-            <a:endParaRPr sz="2200">
+            <a:endParaRPr sz="2200" dirty="0">
               <a:solidFill>
                 <a:schemeClr val="dk1"/>
               </a:solidFill>
@@ -19164,7 +19152,7 @@
             </a:endParaRPr>
           </a:p>
           <a:p>
-            <a:pPr marL="457200" lvl="0" indent="-368300" algn="l" rtl="0">
+            <a:pPr marL="88900" lvl="0" algn="l" rtl="0">
               <a:spcBef>
                 <a:spcPts val="0"/>
               </a:spcBef>
@@ -19175,11 +19163,9 @@
                 <a:schemeClr val="dk1"/>
               </a:buClr>
               <a:buSzPts val="2200"/>
-              <a:buFont typeface="Calibri"/>
-              <a:buAutoNum type="arabicPeriod"/>
             </a:pPr>
             <a:r>
-              <a:rPr lang="es-MX" sz="2200">
+              <a:rPr lang="es-MX" sz="2200" dirty="0">
                 <a:solidFill>
                   <a:schemeClr val="dk1"/>
                 </a:solidFill>
@@ -19188,41 +19174,9 @@
                 <a:cs typeface="Calibri"/>
                 <a:sym typeface="Calibri"/>
               </a:rPr>
-              <a:t>Desarrollar un sistema de registro y control de empleados que permita establecer roles y permisos para cada usuario empleado, asegurando que tengan acceso solo a las funciones y áreas de información relevantes para sus responsabilidades laborales.</a:t>
+              <a:t>6.  Desarrollar un sistema de registro y control de empleados que permita establecer roles y permisos para cada usuario empleado, asegurando que tengan acceso solo a las funciones y áreas de información relevantes para sus responsabilidades laborales. Implementar eliminación de perfiles de empleados por parte de los administradores del sistema, con el fin de mantener actualizada la base de datos de personal.</a:t>
             </a:r>
-            <a:endParaRPr sz="2200">
-              <a:solidFill>
-                <a:schemeClr val="dk1"/>
-              </a:solidFill>
-              <a:latin typeface="Calibri"/>
-              <a:ea typeface="Calibri"/>
-              <a:cs typeface="Calibri"/>
-              <a:sym typeface="Calibri"/>
-            </a:endParaRPr>
-          </a:p>
-          <a:p>
-            <a:pPr marL="457200" lvl="0" indent="0" algn="l" rtl="0">
-              <a:spcBef>
-                <a:spcPts val="0"/>
-              </a:spcBef>
-              <a:spcAft>
-                <a:spcPts val="0"/>
-              </a:spcAft>
-              <a:buNone/>
-            </a:pPr>
-            <a:r>
-              <a:rPr lang="es-MX" sz="2200">
-                <a:solidFill>
-                  <a:schemeClr val="dk1"/>
-                </a:solidFill>
-                <a:latin typeface="Calibri"/>
-                <a:ea typeface="Calibri"/>
-                <a:cs typeface="Calibri"/>
-                <a:sym typeface="Calibri"/>
-              </a:rPr>
-              <a:t>Implementar eliminación de perfiles de empleados por parte de los administradores del sistema, con el fin de mantener actualizada la base de datos de personal.</a:t>
-            </a:r>
-            <a:endParaRPr sz="2200">
+            <a:endParaRPr sz="2200" dirty="0">
               <a:solidFill>
                 <a:schemeClr val="dk1"/>
               </a:solidFill>
